--- a/Presentations/Organisation_SII.pptx
+++ b/Presentations/Organisation_SII.pptx
@@ -206,7 +206,7 @@
             <a:fld id="{408F55C5-7F94-4427-AC6E-B68A66649CA8}" type="datetimeFigureOut">
               <a:rPr lang="fr-FR" smtClean="0"/>
               <a:pPr/>
-              <a:t>10/11/2014</a:t>
+              <a:t>11/11/2014</a:t>
             </a:fld>
             <a:endParaRPr lang="fr-FR"/>
           </a:p>
@@ -375,7 +375,7 @@
     </p:spTree>
     <p:extLst>
       <p:ext uri="{BB962C8B-B14F-4D97-AF65-F5344CB8AC3E}">
-        <p14:creationId xmlns:p14="http://schemas.microsoft.com/office/powerpoint/2010/main" xmlns="" val="930336394"/>
+        <p14:creationId xmlns:p14="http://schemas.microsoft.com/office/powerpoint/2010/main" val="930336394"/>
       </p:ext>
     </p:extLst>
   </p:cSld>
@@ -612,7 +612,7 @@
           <a:p>
             <a:fld id="{A6677007-C67D-4E3B-92B8-785DAE4F2F24}" type="datetime1">
               <a:rPr lang="fr-FR" smtClean="0"/>
-              <a:t>10/11/2014</a:t>
+              <a:t>11/11/2014</a:t>
             </a:fld>
             <a:endParaRPr lang="fr-BE"/>
           </a:p>
@@ -1486,7 +1486,7 @@
           <a:p>
             <a:fld id="{DE6E7E15-51A4-413F-B39A-70A8262F8E03}" type="datetime1">
               <a:rPr lang="fr-FR" smtClean="0"/>
-              <a:t>10/11/2014</a:t>
+              <a:t>11/11/2014</a:t>
             </a:fld>
             <a:endParaRPr lang="fr-BE"/>
           </a:p>
@@ -1666,7 +1666,7 @@
           <a:p>
             <a:fld id="{82FA430B-4FDE-4C6A-BA13-C2BFCFDBA5DA}" type="datetime1">
               <a:rPr lang="fr-FR" smtClean="0"/>
-              <a:t>10/11/2014</a:t>
+              <a:t>11/11/2014</a:t>
             </a:fld>
             <a:endParaRPr lang="fr-BE"/>
           </a:p>
@@ -1841,7 +1841,7 @@
           <a:p>
             <a:fld id="{A5ED8D6F-85F1-4803-969C-C2043D74F42A}" type="datetime1">
               <a:rPr lang="fr-FR" smtClean="0"/>
-              <a:t>10/11/2014</a:t>
+              <a:t>11/11/2014</a:t>
             </a:fld>
             <a:endParaRPr lang="fr-BE"/>
           </a:p>
@@ -2063,7 +2063,7 @@
           <a:p>
             <a:fld id="{D348F1D3-C6B0-4EB6-9CAC-A0ECA11385EF}" type="datetime1">
               <a:rPr lang="fr-FR" smtClean="0"/>
-              <a:t>10/11/2014</a:t>
+              <a:t>11/11/2014</a:t>
             </a:fld>
             <a:endParaRPr lang="fr-BE"/>
           </a:p>
@@ -2882,7 +2882,7 @@
           <a:p>
             <a:fld id="{002F1306-89A6-4771-9F5A-D95D1A203213}" type="datetime1">
               <a:rPr lang="fr-FR" smtClean="0"/>
-              <a:t>10/11/2014</a:t>
+              <a:t>11/11/2014</a:t>
             </a:fld>
             <a:endParaRPr lang="fr-BE"/>
           </a:p>
@@ -3123,7 +3123,7 @@
           <a:p>
             <a:fld id="{9BB81A9D-CA07-4622-845F-A11D92BAF34D}" type="datetime1">
               <a:rPr lang="fr-FR" smtClean="0"/>
-              <a:t>10/11/2014</a:t>
+              <a:t>11/11/2014</a:t>
             </a:fld>
             <a:endParaRPr lang="fr-BE"/>
           </a:p>
@@ -3451,7 +3451,7 @@
           <a:p>
             <a:fld id="{F0309B65-4634-4C3B-83A3-31ED93B53D3A}" type="datetime1">
               <a:rPr lang="fr-FR" smtClean="0"/>
-              <a:t>10/11/2014</a:t>
+              <a:t>11/11/2014</a:t>
             </a:fld>
             <a:endParaRPr lang="fr-BE"/>
           </a:p>
@@ -3546,7 +3546,7 @@
           <a:p>
             <a:fld id="{11A3AB5B-0B84-49A9-9D60-74D240F15B07}" type="datetime1">
               <a:rPr lang="fr-FR" smtClean="0"/>
-              <a:t>10/11/2014</a:t>
+              <a:t>11/11/2014</a:t>
             </a:fld>
             <a:endParaRPr lang="fr-BE"/>
           </a:p>
@@ -4068,7 +4068,7 @@
           <a:p>
             <a:fld id="{2FA72988-112E-453D-808E-BD28CE3380D1}" type="datetime1">
               <a:rPr lang="fr-FR" smtClean="0"/>
-              <a:t>10/11/2014</a:t>
+              <a:t>11/11/2014</a:t>
             </a:fld>
             <a:endParaRPr lang="fr-BE"/>
           </a:p>
@@ -4584,7 +4584,7 @@
           <a:p>
             <a:fld id="{267DF8D0-D5F1-4492-9617-94454A1A00D3}" type="datetime1">
               <a:rPr lang="fr-FR" smtClean="0"/>
-              <a:t>10/11/2014</a:t>
+              <a:t>11/11/2014</a:t>
             </a:fld>
             <a:endParaRPr lang="fr-BE"/>
           </a:p>
@@ -4834,7 +4834,7 @@
           <a:p>
             <a:fld id="{48E4EA5C-8727-479D-83D0-0CA1EB15E459}" type="datetime1">
               <a:rPr lang="fr-FR" smtClean="0"/>
-              <a:t>10/11/2014</a:t>
+              <a:t>11/11/2014</a:t>
             </a:fld>
             <a:endParaRPr lang="fr-BE"/>
           </a:p>
@@ -5172,7 +5172,7 @@
           <a:blip r:embed="rId13" cstate="print">
             <a:extLst>
               <a:ext uri="{28A0092B-C50C-407E-A947-70E740481C1C}">
-                <a14:useLocalDpi xmlns:a14="http://schemas.microsoft.com/office/drawing/2010/main" xmlns="" val="0"/>
+                <a14:useLocalDpi xmlns:a14="http://schemas.microsoft.com/office/drawing/2010/main" val="0"/>
               </a:ext>
             </a:extLst>
           </a:blip>
@@ -5192,7 +5192,7 @@
           <a:noFill/>
           <a:extLst>
             <a:ext uri="{909E8E84-426E-40DD-AFC4-6F175D3DCCD1}">
-              <a14:hiddenFill xmlns:a14="http://schemas.microsoft.com/office/drawing/2010/main" xmlns="">
+              <a14:hiddenFill xmlns:a14="http://schemas.microsoft.com/office/drawing/2010/main">
                 <a:solidFill>
                   <a:srgbClr val="FFFFFF"/>
                 </a:solidFill>
@@ -5594,11 +5594,7 @@
           <a:p>
             <a:r>
               <a:rPr lang="fr-FR" dirty="0" smtClean="0"/>
-              <a:t>PTSI </a:t>
-            </a:r>
-            <a:r>
-              <a:rPr lang="fr-FR" dirty="0" smtClean="0"/>
-              <a:t>– 2014 – 2015 </a:t>
+              <a:t>PTSI – 2014 – 2015 </a:t>
             </a:r>
             <a:endParaRPr lang="fr-FR" dirty="0"/>
           </a:p>
@@ -5640,7 +5636,7 @@
           <a:blip r:embed="rId2" cstate="print">
             <a:extLst>
               <a:ext uri="{28A0092B-C50C-407E-A947-70E740481C1C}">
-                <a14:useLocalDpi xmlns:a14="http://schemas.microsoft.com/office/drawing/2010/main" xmlns="" val="0"/>
+                <a14:useLocalDpi xmlns:a14="http://schemas.microsoft.com/office/drawing/2010/main" val="0"/>
               </a:ext>
             </a:extLst>
           </a:blip>
@@ -5660,7 +5656,7 @@
           <a:noFill/>
           <a:extLst>
             <a:ext uri="{909E8E84-426E-40DD-AFC4-6F175D3DCCD1}">
-              <a14:hiddenFill xmlns:a14="http://schemas.microsoft.com/office/drawing/2010/main" xmlns="">
+              <a14:hiddenFill xmlns:a14="http://schemas.microsoft.com/office/drawing/2010/main">
                 <a:solidFill>
                   <a:srgbClr val="FFFFFF"/>
                 </a:solidFill>
@@ -5681,7 +5677,7 @@
           <a:blip r:embed="rId3">
             <a:extLst>
               <a:ext uri="{28A0092B-C50C-407E-A947-70E740481C1C}">
-                <a14:useLocalDpi xmlns:a14="http://schemas.microsoft.com/office/drawing/2010/main" xmlns="" val="0"/>
+                <a14:useLocalDpi xmlns:a14="http://schemas.microsoft.com/office/drawing/2010/main" val="0"/>
               </a:ext>
             </a:extLst>
           </a:blip>
@@ -5701,7 +5697,7 @@
           <a:noFill/>
           <a:extLst>
             <a:ext uri="{909E8E84-426E-40DD-AFC4-6F175D3DCCD1}">
-              <a14:hiddenFill xmlns:a14="http://schemas.microsoft.com/office/drawing/2010/main" xmlns="">
+              <a14:hiddenFill xmlns:a14="http://schemas.microsoft.com/office/drawing/2010/main">
                 <a:solidFill>
                   <a:srgbClr val="FFFFFF"/>
                 </a:solidFill>
@@ -5722,7 +5718,7 @@
           <a:blip r:embed="rId3">
             <a:extLst>
               <a:ext uri="{28A0092B-C50C-407E-A947-70E740481C1C}">
-                <a14:useLocalDpi xmlns:a14="http://schemas.microsoft.com/office/drawing/2010/main" xmlns="" val="0"/>
+                <a14:useLocalDpi xmlns:a14="http://schemas.microsoft.com/office/drawing/2010/main" val="0"/>
               </a:ext>
             </a:extLst>
           </a:blip>
@@ -5742,7 +5738,7 @@
           <a:noFill/>
           <a:extLst>
             <a:ext uri="{909E8E84-426E-40DD-AFC4-6F175D3DCCD1}">
-              <a14:hiddenFill xmlns:a14="http://schemas.microsoft.com/office/drawing/2010/main" xmlns="">
+              <a14:hiddenFill xmlns:a14="http://schemas.microsoft.com/office/drawing/2010/main">
                 <a:solidFill>
                   <a:srgbClr val="FFFFFF"/>
                 </a:solidFill>
@@ -5777,7 +5773,7 @@
     </p:spTree>
     <p:extLst>
       <p:ext uri="{BB962C8B-B14F-4D97-AF65-F5344CB8AC3E}">
-        <p14:creationId xmlns:p14="http://schemas.microsoft.com/office/powerpoint/2010/main" xmlns="" val="4076409569"/>
+        <p14:creationId xmlns:p14="http://schemas.microsoft.com/office/powerpoint/2010/main" val="4076409569"/>
       </p:ext>
     </p:extLst>
   </p:cSld>
@@ -5828,15 +5824,7 @@
           <a:p>
             <a:r>
               <a:rPr lang="fr-FR" dirty="0" smtClean="0"/>
-              <a:t>Compétences recensées </a:t>
-            </a:r>
-            <a:r>
-              <a:rPr lang="fr-FR" dirty="0" smtClean="0"/>
-              <a:t>e</a:t>
-            </a:r>
-            <a:r>
-              <a:rPr lang="fr-FR" dirty="0" smtClean="0"/>
-              <a:t>n TP</a:t>
+              <a:t>Compétences recensées en TP</a:t>
             </a:r>
             <a:endParaRPr lang="fr-FR" dirty="0"/>
           </a:p>
@@ -5852,10 +5840,15 @@
             <p:ph sz="quarter" idx="1"/>
           </p:nvPr>
         </p:nvSpPr>
-        <p:spPr/>
+        <p:spPr>
+          <a:xfrm>
+            <a:off x="457200" y="1196752"/>
+            <a:ext cx="7467600" cy="5661248"/>
+          </a:xfrm>
+        </p:spPr>
         <p:txBody>
           <a:bodyPr>
-            <a:normAutofit fontScale="47500" lnSpcReduction="20000"/>
+            <a:normAutofit fontScale="55000" lnSpcReduction="20000"/>
           </a:bodyPr>
           <a:lstStyle/>
           <a:p>
@@ -5867,55 +5860,39 @@
               <a:rPr lang="fr-FR" dirty="0" smtClean="0"/>
               <a:t> </a:t>
             </a:r>
-            <a:endParaRPr lang="fr-FR" dirty="0" smtClean="0"/>
           </a:p>
           <a:p>
             <a:pPr lvl="1"/>
             <a:r>
               <a:rPr lang="fr-FR" b="1" i="1" dirty="0" smtClean="0"/>
-              <a:t>A1 </a:t>
-            </a:r>
-            <a:r>
-              <a:rPr lang="fr-FR" b="1" i="1" dirty="0" smtClean="0"/>
-              <a:t>- Identifier le besoin et définir les exigences du système</a:t>
+              <a:t>A1 - Identifier le besoin et définir les exigences du système</a:t>
             </a:r>
             <a:r>
               <a:rPr lang="fr-FR" dirty="0" smtClean="0"/>
               <a:t> </a:t>
             </a:r>
-            <a:endParaRPr lang="fr-FR" dirty="0" smtClean="0"/>
           </a:p>
           <a:p>
             <a:pPr lvl="1"/>
             <a:r>
               <a:rPr lang="fr-FR" b="1" i="1" dirty="0" smtClean="0"/>
-              <a:t>A2 </a:t>
-            </a:r>
-            <a:r>
-              <a:rPr lang="fr-FR" b="1" i="1" dirty="0" smtClean="0"/>
-              <a:t>- Définir les frontières de l'analyse</a:t>
+              <a:t>A2 - Définir les frontières de l'analyse</a:t>
             </a:r>
             <a:r>
               <a:rPr lang="fr-FR" dirty="0" smtClean="0"/>
               <a:t> </a:t>
             </a:r>
-            <a:endParaRPr lang="fr-FR" dirty="0" smtClean="0"/>
           </a:p>
           <a:p>
             <a:pPr lvl="1"/>
             <a:r>
               <a:rPr lang="fr-FR" b="1" i="1" dirty="0" smtClean="0"/>
-              <a:t>A3 </a:t>
-            </a:r>
-            <a:r>
-              <a:rPr lang="fr-FR" b="1" i="1" dirty="0" smtClean="0"/>
-              <a:t>- Conduire l'analyse</a:t>
+              <a:t>A3 - Conduire l'analyse</a:t>
             </a:r>
             <a:r>
               <a:rPr lang="fr-FR" dirty="0" smtClean="0"/>
               <a:t> </a:t>
             </a:r>
-            <a:endParaRPr lang="fr-FR" dirty="0" smtClean="0"/>
           </a:p>
           <a:p>
             <a:r>
@@ -5931,49 +5908,34 @@
             <a:pPr lvl="1"/>
             <a:r>
               <a:rPr lang="fr-FR" b="1" i="1" dirty="0" smtClean="0"/>
-              <a:t>Mod1 </a:t>
-            </a:r>
-            <a:r>
-              <a:rPr lang="fr-FR" b="1" i="1" dirty="0" smtClean="0"/>
-              <a:t>- Justifier ou choisir les grandeurs nécessaires à la modélisation</a:t>
+              <a:t>Mod1 - Justifier ou choisir les grandeurs nécessaires à la modélisation</a:t>
             </a:r>
             <a:r>
               <a:rPr lang="fr-FR" dirty="0" smtClean="0"/>
               <a:t> </a:t>
             </a:r>
-            <a:endParaRPr lang="fr-FR" dirty="0" smtClean="0"/>
           </a:p>
           <a:p>
             <a:pPr lvl="1"/>
             <a:r>
               <a:rPr lang="fr-FR" b="1" i="1" dirty="0" smtClean="0"/>
-              <a:t>Mod2 </a:t>
-            </a:r>
-            <a:r>
-              <a:rPr lang="fr-FR" b="1" i="1" dirty="0" smtClean="0"/>
-              <a:t>- Proposer un modèle</a:t>
+              <a:t>Mod2 - Proposer un modèle</a:t>
             </a:r>
             <a:r>
               <a:rPr lang="fr-FR" dirty="0" smtClean="0"/>
               <a:t> </a:t>
             </a:r>
-            <a:endParaRPr lang="fr-FR" dirty="0" smtClean="0"/>
           </a:p>
           <a:p>
             <a:pPr lvl="1"/>
             <a:r>
               <a:rPr lang="fr-FR" b="1" i="1" dirty="0" smtClean="0"/>
-              <a:t>Mod3 </a:t>
-            </a:r>
-            <a:r>
-              <a:rPr lang="fr-FR" b="1" i="1" dirty="0" smtClean="0"/>
-              <a:t>- Valider un modèle</a:t>
+              <a:t>Mod3 - Valider un modèle</a:t>
             </a:r>
             <a:r>
               <a:rPr lang="fr-FR" dirty="0" smtClean="0"/>
               <a:t> </a:t>
             </a:r>
-            <a:endParaRPr lang="fr-FR" dirty="0" smtClean="0"/>
           </a:p>
           <a:p>
             <a:r>
@@ -5989,49 +5951,34 @@
             <a:pPr lvl="1"/>
             <a:r>
               <a:rPr lang="fr-FR" b="1" i="1" dirty="0" smtClean="0"/>
-              <a:t>Rés1 </a:t>
-            </a:r>
-            <a:r>
-              <a:rPr lang="fr-FR" b="1" i="1" dirty="0" smtClean="0"/>
-              <a:t>- Proposer une démarche de résolution</a:t>
+              <a:t>Rés1 - Proposer une démarche de résolution</a:t>
             </a:r>
             <a:r>
               <a:rPr lang="fr-FR" dirty="0" smtClean="0"/>
               <a:t> </a:t>
             </a:r>
-            <a:endParaRPr lang="fr-FR" dirty="0" smtClean="0"/>
           </a:p>
           <a:p>
             <a:pPr lvl="1"/>
             <a:r>
               <a:rPr lang="fr-FR" b="1" i="1" dirty="0" smtClean="0"/>
-              <a:t>Rés2 </a:t>
-            </a:r>
-            <a:r>
-              <a:rPr lang="fr-FR" b="1" i="1" dirty="0" smtClean="0"/>
-              <a:t>- Procéder à la mise en œuvre d'une résolution analytique</a:t>
+              <a:t>Rés2 - Procéder à la mise en œuvre d'une résolution analytique</a:t>
             </a:r>
             <a:r>
               <a:rPr lang="fr-FR" dirty="0" smtClean="0"/>
               <a:t> </a:t>
             </a:r>
-            <a:endParaRPr lang="fr-FR" dirty="0" smtClean="0"/>
           </a:p>
           <a:p>
             <a:pPr lvl="1"/>
             <a:r>
               <a:rPr lang="fr-FR" b="1" i="1" dirty="0" smtClean="0"/>
-              <a:t>Rés2 </a:t>
-            </a:r>
-            <a:r>
-              <a:rPr lang="fr-FR" b="1" i="1" dirty="0" smtClean="0"/>
-              <a:t>- Procéder à la mise en œuvre d'une résolution numérique</a:t>
+              <a:t>Rés2 - Procéder à la mise en œuvre d'une résolution numérique</a:t>
             </a:r>
             <a:r>
               <a:rPr lang="fr-FR" dirty="0" smtClean="0"/>
               <a:t> </a:t>
             </a:r>
-            <a:endParaRPr lang="fr-FR" dirty="0" smtClean="0"/>
           </a:p>
           <a:p>
             <a:r>
@@ -6047,57 +5994,34 @@
             <a:pPr lvl="1"/>
             <a:r>
               <a:rPr lang="fr-FR" b="1" i="1" dirty="0" smtClean="0"/>
-              <a:t>Exp1 </a:t>
-            </a:r>
-            <a:r>
-              <a:rPr lang="fr-FR" b="1" i="1" dirty="0" smtClean="0"/>
-              <a:t>- Découvrir le fonctionnement d’un système complexe</a:t>
+              <a:t>Exp1 - Découvrir le fonctionnement d’un système complexe</a:t>
             </a:r>
             <a:r>
               <a:rPr lang="fr-FR" dirty="0" smtClean="0"/>
               <a:t> </a:t>
             </a:r>
-            <a:endParaRPr lang="fr-FR" dirty="0" smtClean="0"/>
           </a:p>
           <a:p>
             <a:pPr lvl="1"/>
             <a:r>
               <a:rPr lang="fr-FR" b="1" i="1" dirty="0" smtClean="0"/>
-              <a:t>Exp2 </a:t>
-            </a:r>
-            <a:r>
-              <a:rPr lang="fr-FR" b="1" i="1" dirty="0" smtClean="0"/>
-              <a:t>- Justifier et/ou proposer un protocole expérimental</a:t>
+              <a:t>Exp2 - Justifier et/ou proposer un protocole expérimental</a:t>
             </a:r>
             <a:r>
               <a:rPr lang="fr-FR" dirty="0" smtClean="0"/>
               <a:t> </a:t>
             </a:r>
-            <a:endParaRPr lang="fr-FR" dirty="0" smtClean="0"/>
           </a:p>
           <a:p>
             <a:pPr lvl="1"/>
             <a:r>
               <a:rPr lang="fr-FR" b="1" i="1" dirty="0" smtClean="0"/>
-              <a:t>Exp3 </a:t>
-            </a:r>
-            <a:r>
-              <a:rPr lang="fr-FR" b="1" i="1" dirty="0" smtClean="0"/>
-              <a:t>- Mettre en </a:t>
-            </a:r>
-            <a:r>
-              <a:rPr lang="fr-FR" b="1" i="1" dirty="0" smtClean="0"/>
-              <a:t>œuvre </a:t>
-            </a:r>
-            <a:r>
-              <a:rPr lang="fr-FR" b="1" i="1" dirty="0" smtClean="0"/>
-              <a:t>un protocole expérimental et vérifier sa validité</a:t>
+              <a:t>Exp3 - Mettre en œuvre un protocole expérimental et vérifier sa validité</a:t>
             </a:r>
             <a:r>
               <a:rPr lang="fr-FR" dirty="0" smtClean="0"/>
               <a:t> </a:t>
             </a:r>
-            <a:endParaRPr lang="fr-FR" dirty="0" smtClean="0"/>
           </a:p>
           <a:p>
             <a:r>
@@ -6113,49 +6037,34 @@
             <a:pPr lvl="1"/>
             <a:r>
               <a:rPr lang="fr-FR" b="1" i="1" dirty="0" smtClean="0"/>
-              <a:t>Conc1 </a:t>
-            </a:r>
-            <a:r>
-              <a:rPr lang="fr-FR" b="1" i="1" dirty="0" smtClean="0"/>
-              <a:t>- Imaginer des architectures et des solutions technologiques</a:t>
+              <a:t>Conc1 - Imaginer des architectures et des solutions technologiques</a:t>
             </a:r>
             <a:r>
               <a:rPr lang="fr-FR" dirty="0" smtClean="0"/>
               <a:t> </a:t>
             </a:r>
-            <a:endParaRPr lang="fr-FR" dirty="0" smtClean="0"/>
           </a:p>
           <a:p>
             <a:pPr lvl="1"/>
             <a:r>
               <a:rPr lang="fr-FR" b="1" i="1" dirty="0" smtClean="0"/>
-              <a:t>Conc2 </a:t>
-            </a:r>
-            <a:r>
-              <a:rPr lang="fr-FR" b="1" i="1" dirty="0" smtClean="0"/>
-              <a:t>- Choisir une solution technique</a:t>
+              <a:t>Conc2 - Choisir une solution technique</a:t>
             </a:r>
             <a:r>
               <a:rPr lang="fr-FR" dirty="0" smtClean="0"/>
               <a:t> </a:t>
             </a:r>
-            <a:endParaRPr lang="fr-FR" dirty="0" smtClean="0"/>
           </a:p>
           <a:p>
             <a:pPr lvl="1"/>
             <a:r>
               <a:rPr lang="fr-FR" b="1" i="1" dirty="0" smtClean="0"/>
-              <a:t>Conc3 </a:t>
-            </a:r>
-            <a:r>
-              <a:rPr lang="fr-FR" b="1" i="1" dirty="0" smtClean="0"/>
-              <a:t>- Dimensionner une solution technique</a:t>
+              <a:t>Conc3 - Dimensionner une solution technique</a:t>
             </a:r>
             <a:r>
               <a:rPr lang="fr-FR" dirty="0" smtClean="0"/>
               <a:t> </a:t>
             </a:r>
-            <a:endParaRPr lang="fr-FR" dirty="0" smtClean="0"/>
           </a:p>
           <a:p>
             <a:r>
@@ -6171,49 +6080,34 @@
             <a:pPr lvl="1"/>
             <a:r>
               <a:rPr lang="fr-FR" b="1" i="1" dirty="0" smtClean="0"/>
-              <a:t>Réa1 </a:t>
-            </a:r>
-            <a:r>
-              <a:rPr lang="fr-FR" b="1" i="1" dirty="0" smtClean="0"/>
-              <a:t>- Mettre en place un processus de fabrication</a:t>
+              <a:t>Réa1 - Mettre en place un processus de fabrication</a:t>
             </a:r>
             <a:r>
               <a:rPr lang="fr-FR" dirty="0" smtClean="0"/>
               <a:t> </a:t>
             </a:r>
-            <a:endParaRPr lang="fr-FR" dirty="0" smtClean="0"/>
           </a:p>
           <a:p>
             <a:pPr lvl="1"/>
             <a:r>
               <a:rPr lang="fr-FR" b="1" i="1" dirty="0" smtClean="0"/>
-              <a:t>Réa2 </a:t>
-            </a:r>
-            <a:r>
-              <a:rPr lang="fr-FR" b="1" i="1" dirty="0" smtClean="0"/>
-              <a:t>- Réaliser un prototype</a:t>
+              <a:t>Réa2 - Réaliser un prototype</a:t>
             </a:r>
             <a:r>
               <a:rPr lang="fr-FR" dirty="0" smtClean="0"/>
               <a:t> </a:t>
             </a:r>
-            <a:endParaRPr lang="fr-FR" dirty="0" smtClean="0"/>
           </a:p>
           <a:p>
             <a:pPr lvl="1"/>
             <a:r>
               <a:rPr lang="fr-FR" b="1" i="1" dirty="0" smtClean="0"/>
-              <a:t>Réa3 </a:t>
-            </a:r>
-            <a:r>
-              <a:rPr lang="fr-FR" b="1" i="1" dirty="0" smtClean="0"/>
-              <a:t>- Mesurer les écarts entre le système conçu et le système réalisé</a:t>
+              <a:t>Réa3 - Mesurer les écarts entre le système conçu et le système réalisé</a:t>
             </a:r>
             <a:r>
               <a:rPr lang="fr-FR" dirty="0" smtClean="0"/>
               <a:t> </a:t>
             </a:r>
-            <a:endParaRPr lang="fr-FR" dirty="0" smtClean="0"/>
           </a:p>
           <a:p>
             <a:r>
@@ -6229,34 +6123,14 @@
             <a:pPr lvl="1"/>
             <a:r>
               <a:rPr lang="fr-FR" b="1" i="1" dirty="0" smtClean="0"/>
-              <a:t>Com1 </a:t>
-            </a:r>
+              <a:t>Com1 - Élaborer, rechercher et traiter des informations</a:t>
+            </a:r>
+          </a:p>
+          <a:p>
+            <a:pPr lvl="1"/>
             <a:r>
               <a:rPr lang="fr-FR" b="1" i="1" dirty="0" smtClean="0"/>
-              <a:t>- Élaborer, rechercher et traiter des </a:t>
-            </a:r>
-            <a:r>
-              <a:rPr lang="fr-FR" b="1" i="1" dirty="0" smtClean="0"/>
-              <a:t>informations</a:t>
-            </a:r>
-          </a:p>
-          <a:p>
-            <a:pPr lvl="1"/>
-            <a:r>
-              <a:rPr lang="fr-FR" b="1" i="1" dirty="0" smtClean="0"/>
-              <a:t>Com2 </a:t>
-            </a:r>
-            <a:r>
-              <a:rPr lang="fr-FR" b="1" i="1" dirty="0" smtClean="0"/>
-              <a:t>- Mettre en </a:t>
-            </a:r>
-            <a:r>
-              <a:rPr lang="fr-FR" b="1" i="1" dirty="0" smtClean="0"/>
-              <a:t>œuvre </a:t>
-            </a:r>
-            <a:r>
-              <a:rPr lang="fr-FR" b="1" i="1" dirty="0" smtClean="0"/>
-              <a:t>une communication</a:t>
+              <a:t>Com2 - Mettre en œuvre une communication</a:t>
             </a:r>
             <a:r>
               <a:rPr lang="fr-FR" dirty="0" smtClean="0"/>
@@ -6505,11 +6379,7 @@
           <a:p>
             <a:r>
               <a:rPr lang="fr-FR" sz="1400" dirty="0" smtClean="0"/>
-              <a:t>Cycle 2 </a:t>
-            </a:r>
-            <a:r>
-              <a:rPr lang="fr-FR" sz="1400" dirty="0" smtClean="0"/>
-              <a:t>– CI4 - Ilots </a:t>
+              <a:t>Cycle 2 – CI4 - Ilots </a:t>
             </a:r>
           </a:p>
           <a:p>
@@ -6528,11 +6398,7 @@
             </a:r>
             <a:r>
               <a:rPr lang="fr-FR" sz="1400" dirty="0" smtClean="0"/>
-              <a:t> le fonctionnement des composants remplissant la fonction acquérir des systèmes </a:t>
-            </a:r>
-            <a:r>
-              <a:rPr lang="fr-FR" sz="1400" dirty="0" smtClean="0"/>
-              <a:t>pluri techniques. </a:t>
+              <a:t> le fonctionnement des composants remplissant la fonction acquérir des systèmes pluri techniques. </a:t>
             </a:r>
           </a:p>
           <a:p>
@@ -6571,11 +6437,7 @@
           <a:p>
             <a:r>
               <a:rPr lang="fr-FR" sz="1400" dirty="0" smtClean="0"/>
-              <a:t>Cycle 3 - CI3 </a:t>
-            </a:r>
-            <a:r>
-              <a:rPr lang="fr-FR" sz="1400" dirty="0" smtClean="0"/>
-              <a:t>– Ilots </a:t>
+              <a:t>Cycle 3 - CI3 – Ilots </a:t>
             </a:r>
           </a:p>
           <a:p>
@@ -6586,11 +6448,7 @@
             </a:r>
             <a:r>
               <a:rPr lang="fr-FR" sz="1400" dirty="0" smtClean="0"/>
-              <a:t> </a:t>
-            </a:r>
-            <a:r>
-              <a:rPr lang="fr-FR" sz="1400" dirty="0" smtClean="0"/>
-              <a:t>et </a:t>
+              <a:t> et </a:t>
             </a:r>
             <a:r>
               <a:rPr lang="fr-FR" sz="1400" b="1" dirty="0" smtClean="0"/>
@@ -7203,10 +7061,10 @@
           <a:lstStyle/>
           <a:p>
             <a:r>
-              <a:rPr lang="fr-BE" smtClean="0"/>
+              <a:rPr lang="fr-BE" dirty="0" smtClean="0"/>
               <a:t>Xavier PESSOLES</a:t>
             </a:r>
-            <a:endParaRPr lang="fr-BE"/>
+            <a:endParaRPr lang="fr-BE" dirty="0"/>
           </a:p>
         </p:txBody>
       </p:sp>
@@ -7526,6 +7384,108 @@
           </a:fontRef>
         </p:style>
       </p:cxnSp>
+      <p:sp>
+        <p:nvSpPr>
+          <p:cNvPr id="3" name="ZoneTexte 2"/>
+          <p:cNvSpPr txBox="1"/>
+          <p:nvPr/>
+        </p:nvSpPr>
+        <p:spPr>
+          <a:xfrm>
+            <a:off x="357158" y="980728"/>
+            <a:ext cx="5500726" cy="369332"/>
+          </a:xfrm>
+          <a:prstGeom prst="rect">
+            <a:avLst/>
+          </a:prstGeom>
+          <a:noFill/>
+        </p:spPr>
+        <p:txBody>
+          <a:bodyPr wrap="square" rtlCol="0">
+            <a:spAutoFit/>
+          </a:bodyPr>
+          <a:lstStyle/>
+          <a:p>
+            <a:r>
+              <a:rPr lang="fr-FR" b="1" dirty="0" smtClean="0">
+                <a:latin typeface="Calibri" panose="020F0502020204030204" pitchFamily="34" charset="0"/>
+              </a:rPr>
+              <a:t>Fiche d’organisation du TP</a:t>
+            </a:r>
+            <a:endParaRPr lang="fr-FR" b="1" dirty="0">
+              <a:latin typeface="Calibri" panose="020F0502020204030204" pitchFamily="34" charset="0"/>
+            </a:endParaRPr>
+          </a:p>
+        </p:txBody>
+      </p:sp>
+      <p:sp>
+        <p:nvSpPr>
+          <p:cNvPr id="15" name="ZoneTexte 14"/>
+          <p:cNvSpPr txBox="1"/>
+          <p:nvPr/>
+        </p:nvSpPr>
+        <p:spPr>
+          <a:xfrm>
+            <a:off x="357158" y="6381328"/>
+            <a:ext cx="5500726" cy="369332"/>
+          </a:xfrm>
+          <a:prstGeom prst="rect">
+            <a:avLst/>
+          </a:prstGeom>
+          <a:noFill/>
+        </p:spPr>
+        <p:txBody>
+          <a:bodyPr wrap="square" rtlCol="0">
+            <a:spAutoFit/>
+          </a:bodyPr>
+          <a:lstStyle/>
+          <a:p>
+            <a:r>
+              <a:rPr lang="fr-FR" b="1" dirty="0" smtClean="0">
+                <a:latin typeface="Calibri" panose="020F0502020204030204" pitchFamily="34" charset="0"/>
+              </a:rPr>
+              <a:t>Fiche d’évaluation du TP</a:t>
+            </a:r>
+            <a:endParaRPr lang="fr-FR" b="1" dirty="0">
+              <a:latin typeface="Calibri" panose="020F0502020204030204" pitchFamily="34" charset="0"/>
+            </a:endParaRPr>
+          </a:p>
+        </p:txBody>
+      </p:sp>
+      <p:sp>
+        <p:nvSpPr>
+          <p:cNvPr id="16" name="ZoneTexte 15"/>
+          <p:cNvSpPr txBox="1"/>
+          <p:nvPr/>
+        </p:nvSpPr>
+        <p:spPr>
+          <a:xfrm>
+            <a:off x="6870569" y="2934498"/>
+            <a:ext cx="5500726" cy="369332"/>
+          </a:xfrm>
+          <a:prstGeom prst="rect">
+            <a:avLst/>
+          </a:prstGeom>
+          <a:noFill/>
+        </p:spPr>
+        <p:txBody>
+          <a:bodyPr wrap="square" rtlCol="0">
+            <a:spAutoFit/>
+          </a:bodyPr>
+          <a:lstStyle/>
+          <a:p>
+            <a:r>
+              <a:rPr lang="fr-FR" b="1" dirty="0" smtClean="0">
+                <a:latin typeface="Calibri" panose="020F0502020204030204" pitchFamily="34" charset="0"/>
+              </a:rPr>
+              <a:t>Sujet de TP</a:t>
+            </a:r>
+            <a:endParaRPr lang="fr-FR" b="1" dirty="0">
+              <a:latin typeface="Calibri" panose="020F0502020204030204" pitchFamily="34" charset="0"/>
+            </a:endParaRPr>
+          </a:p>
+        </p:txBody>
+      </p:sp>
     </p:spTree>
   </p:cSld>
   <p:clrMapOvr>
@@ -7586,10 +7546,15 @@
             <p:ph sz="quarter" idx="1"/>
           </p:nvPr>
         </p:nvSpPr>
-        <p:spPr/>
+        <p:spPr>
+          <a:xfrm>
+            <a:off x="457200" y="1196752"/>
+            <a:ext cx="7467600" cy="5544616"/>
+          </a:xfrm>
+        </p:spPr>
         <p:txBody>
           <a:bodyPr>
-            <a:normAutofit lnSpcReduction="10000"/>
+            <a:normAutofit fontScale="92500" lnSpcReduction="10000"/>
           </a:bodyPr>
           <a:lstStyle/>
           <a:p>
@@ -7639,6 +7604,15 @@
               <a:rPr lang="fr-FR" dirty="0" smtClean="0"/>
               <a:t>Manque de temps pour effectuer une synthèse constructive et bénéfique à tous. </a:t>
             </a:r>
+            <a:endParaRPr lang="fr-FR" dirty="0"/>
+          </a:p>
+          <a:p>
+            <a:pPr lvl="1"/>
+            <a:r>
+              <a:rPr lang="fr-FR" dirty="0" smtClean="0"/>
+              <a:t>Organisation à améliorer pour assurer la permutation des élèves sur les différents rôles</a:t>
+            </a:r>
+            <a:endParaRPr lang="fr-FR" dirty="0" smtClean="0"/>
           </a:p>
           <a:p>
             <a:pPr lvl="1"/>
@@ -7924,7 +7898,9 @@
         </p:nvSpPr>
         <p:spPr/>
         <p:txBody>
-          <a:bodyPr/>
+          <a:bodyPr>
+            <a:normAutofit fontScale="92500" lnSpcReduction="10000"/>
+          </a:bodyPr>
           <a:lstStyle/>
           <a:p>
             <a:r>
@@ -7966,19 +7942,33 @@
             <a:pPr lvl="2"/>
             <a:r>
               <a:rPr lang="fr-FR" dirty="0" smtClean="0"/>
-              <a:t>Une activit</a:t>
-            </a:r>
+              <a:t>Une activité déductive d’application du cours (Analyser, Modéliser, Résoudre)</a:t>
+            </a:r>
+          </a:p>
+          <a:p>
+            <a:pPr lvl="2"/>
             <a:r>
               <a:rPr lang="fr-FR" dirty="0" smtClean="0"/>
-              <a:t>é déductive d’application du cours (Analyser, Modéliser, Résoudre)</a:t>
-            </a:r>
-          </a:p>
-          <a:p>
-            <a:pPr lvl="2"/>
+              <a:t>Une activité inductive ou déductive (Concevoir et Réaliser</a:t>
+            </a:r>
             <a:r>
               <a:rPr lang="fr-FR" dirty="0" smtClean="0"/>
-              <a:t>Une activité inductive ou déductive (Concevoir et Réaliser)</a:t>
-            </a:r>
+              <a:t>)</a:t>
+            </a:r>
+          </a:p>
+          <a:p>
+            <a:r>
+              <a:rPr lang="fr-FR" dirty="0" smtClean="0"/>
+              <a:t>Jeudi : </a:t>
+            </a:r>
+          </a:p>
+          <a:p>
+            <a:pPr lvl="1"/>
+            <a:r>
+              <a:rPr lang="fr-FR" dirty="0" smtClean="0"/>
+              <a:t>Séance d’accompagnement personnalisé à la demande ou imposée</a:t>
+            </a:r>
+            <a:endParaRPr lang="fr-FR" dirty="0" smtClean="0"/>
           </a:p>
           <a:p>
             <a:r>
@@ -7995,10 +7985,9 @@
           <a:p>
             <a:pPr lvl="1"/>
             <a:r>
-              <a:rPr lang="fr-FR" dirty="0" smtClean="0"/>
+              <a:rPr lang="fr-FR" b="1" dirty="0" smtClean="0"/>
               <a:t>Les TP sont organisés en îlots aussi souvent que possibles.</a:t>
             </a:r>
-            <a:endParaRPr lang="fr-FR" dirty="0" smtClean="0"/>
           </a:p>
           <a:p>
             <a:endParaRPr lang="fr-FR" dirty="0"/>
@@ -8055,7 +8044,7 @@
     </p:spTree>
     <p:extLst>
       <p:ext uri="{BB962C8B-B14F-4D97-AF65-F5344CB8AC3E}">
-        <p14:creationId xmlns:p14="http://schemas.microsoft.com/office/powerpoint/2010/main" xmlns="" val="3708260906"/>
+        <p14:creationId xmlns:p14="http://schemas.microsoft.com/office/powerpoint/2010/main" val="3708260906"/>
       </p:ext>
     </p:extLst>
   </p:cSld>
@@ -8158,7 +8147,6 @@
               <a:rPr lang="fr-FR" sz="1600" dirty="0" smtClean="0"/>
               <a:t>A partir de la toussaint, DS de 2h à 4h selon planning</a:t>
             </a:r>
-            <a:endParaRPr lang="fr-FR" sz="1600" dirty="0" smtClean="0"/>
           </a:p>
           <a:p>
             <a:r>
@@ -8172,7 +8160,6 @@
               <a:rPr lang="fr-FR" sz="1600" dirty="0" smtClean="0"/>
               <a:t>Les devoirs sont donnés pour la semaine de colle de SII. Ils peuvent prendre la forme d’un exercice d’application, d’une conception, ou d’un problème type concours.</a:t>
             </a:r>
-            <a:endParaRPr lang="fr-FR" sz="1600" dirty="0" smtClean="0"/>
           </a:p>
           <a:p>
             <a:r>
@@ -8944,10 +8931,15 @@
             <p:ph sz="quarter" idx="1"/>
           </p:nvPr>
         </p:nvSpPr>
-        <p:spPr/>
+        <p:spPr>
+          <a:xfrm>
+            <a:off x="457200" y="1124744"/>
+            <a:ext cx="7467600" cy="5733256"/>
+          </a:xfrm>
+        </p:spPr>
         <p:txBody>
           <a:bodyPr>
-            <a:normAutofit fontScale="62500" lnSpcReduction="20000"/>
+            <a:normAutofit fontScale="70000" lnSpcReduction="20000"/>
           </a:bodyPr>
           <a:lstStyle/>
           <a:p>
